--- a/Neural Network and Fuzzy Logic Paper Presentation.pptx
+++ b/Neural Network and Fuzzy Logic Paper Presentation.pptx
@@ -11127,7 +11127,7 @@
                 <a:cs typeface="Lato"/>
                 <a:sym typeface="Lato"/>
               </a:rPr>
-              <a:t>For Baseline CNN</a:t>
+              <a:t>For ADCNN</a:t>
             </a:r>
             <a:endParaRPr sz="1800">
               <a:solidFill>
@@ -11237,7 +11237,16 @@
                 <a:cs typeface="Lato"/>
                 <a:sym typeface="Lato"/>
               </a:rPr>
-              <a:t>For Baseline CNN</a:t>
+              <a:t>AD</a:t>
+            </a:r>
+            <a:r>
+              <a:rPr lang="en">
+                <a:latin typeface="Lato"/>
+                <a:ea typeface="Lato"/>
+                <a:cs typeface="Lato"/>
+                <a:sym typeface="Lato"/>
+              </a:rPr>
+              <a:t>CNN</a:t>
             </a:r>
             <a:endParaRPr>
               <a:latin typeface="Lato"/>
@@ -11350,7 +11359,7 @@
                 <a:cs typeface="Lato"/>
                 <a:sym typeface="Lato"/>
               </a:rPr>
-              <a:t>For Baseline CNN</a:t>
+              <a:t>For ADCNN</a:t>
             </a:r>
             <a:endParaRPr sz="1800">
               <a:solidFill>
